--- a/capstone_presentation_jkx.pptx
+++ b/capstone_presentation_jkx.pptx
@@ -15,7 +15,8 @@
     <p:sldId id="265" r:id="rId9"/>
     <p:sldId id="266" r:id="rId10"/>
     <p:sldId id="272" r:id="rId11"/>
-    <p:sldId id="273" r:id="rId12"/>
+    <p:sldId id="274" r:id="rId12"/>
+    <p:sldId id="273" r:id="rId13"/>
   </p:sldIdLst>
   <p:sldSz cx="12192000" cy="6858000"/>
   <p:notesSz cx="6858000" cy="9144000"/>
@@ -179,7 +180,7 @@
           <a:noFill/>
           <a:extLst>
             <a:ext uri="{909E8E84-426E-40dd-AFC4-6F175D3DCCD1}">
-              <a14:hiddenFill xmlns="" xmlns:a14="http://schemas.microsoft.com/office/drawing/2010/main">
+              <a14:hiddenFill xmlns:a14="http://schemas.microsoft.com/office/drawing/2010/main" xmlns="">
                 <a:solidFill>
                   <a:srgbClr val="FFFFFF"/>
                 </a:solidFill>
@@ -239,7 +240,7 @@
             </a:ln>
             <a:extLst>
               <a:ext uri="{91240B29-F687-4f45-9708-019B960494DF}">
-                <a14:hiddenLine xmlns="" xmlns:a14="http://schemas.microsoft.com/office/drawing/2010/main" w="9525">
+                <a14:hiddenLine xmlns:a14="http://schemas.microsoft.com/office/drawing/2010/main" xmlns="" w="9525">
                   <a:solidFill>
                     <a:srgbClr val="000000"/>
                   </a:solidFill>
@@ -329,7 +330,7 @@
             </a:ln>
             <a:extLst>
               <a:ext uri="{91240B29-F687-4f45-9708-019B960494DF}">
-                <a14:hiddenLine xmlns="" xmlns:a14="http://schemas.microsoft.com/office/drawing/2010/main" w="9525">
+                <a14:hiddenLine xmlns:a14="http://schemas.microsoft.com/office/drawing/2010/main" xmlns="" w="9525">
                   <a:solidFill>
                     <a:srgbClr val="000000"/>
                   </a:solidFill>
@@ -419,7 +420,7 @@
             </a:ln>
             <a:extLst>
               <a:ext uri="{91240B29-F687-4f45-9708-019B960494DF}">
-                <a14:hiddenLine xmlns="" xmlns:a14="http://schemas.microsoft.com/office/drawing/2010/main" w="9525">
+                <a14:hiddenLine xmlns:a14="http://schemas.microsoft.com/office/drawing/2010/main" xmlns="" w="9525">
                   <a:solidFill>
                     <a:srgbClr val="000000"/>
                   </a:solidFill>
@@ -453,7 +454,7 @@
             </a:ln>
             <a:extLst>
               <a:ext uri="{91240B29-F687-4f45-9708-019B960494DF}">
-                <a14:hiddenLine xmlns="" xmlns:a14="http://schemas.microsoft.com/office/drawing/2010/main" w="9525">
+                <a14:hiddenLine xmlns:a14="http://schemas.microsoft.com/office/drawing/2010/main" xmlns="" w="9525">
                   <a:solidFill>
                     <a:srgbClr val="000000"/>
                   </a:solidFill>
@@ -543,7 +544,7 @@
             </a:ln>
             <a:extLst>
               <a:ext uri="{91240B29-F687-4f45-9708-019B960494DF}">
-                <a14:hiddenLine xmlns="" xmlns:a14="http://schemas.microsoft.com/office/drawing/2010/main" w="9525">
+                <a14:hiddenLine xmlns:a14="http://schemas.microsoft.com/office/drawing/2010/main" xmlns="" w="9525">
                   <a:solidFill>
                     <a:srgbClr val="000000"/>
                   </a:solidFill>
@@ -605,7 +606,7 @@
             </a:ln>
             <a:extLst>
               <a:ext uri="{91240B29-F687-4f45-9708-019B960494DF}">
-                <a14:hiddenLine xmlns="" xmlns:a14="http://schemas.microsoft.com/office/drawing/2010/main" w="9525">
+                <a14:hiddenLine xmlns:a14="http://schemas.microsoft.com/office/drawing/2010/main" xmlns="" w="9525">
                   <a:solidFill>
                     <a:srgbClr val="000000"/>
                   </a:solidFill>
@@ -667,7 +668,7 @@
             </a:ln>
             <a:extLst>
               <a:ext uri="{91240B29-F687-4f45-9708-019B960494DF}">
-                <a14:hiddenLine xmlns="" xmlns:a14="http://schemas.microsoft.com/office/drawing/2010/main" w="9525">
+                <a14:hiddenLine xmlns:a14="http://schemas.microsoft.com/office/drawing/2010/main" xmlns="" w="9525">
                   <a:solidFill>
                     <a:srgbClr val="000000"/>
                   </a:solidFill>
@@ -757,7 +758,7 @@
             </a:ln>
             <a:extLst>
               <a:ext uri="{91240B29-F687-4f45-9708-019B960494DF}">
-                <a14:hiddenLine xmlns="" xmlns:a14="http://schemas.microsoft.com/office/drawing/2010/main" w="9525">
+                <a14:hiddenLine xmlns:a14="http://schemas.microsoft.com/office/drawing/2010/main" xmlns="" w="9525">
                   <a:solidFill>
                     <a:srgbClr val="000000"/>
                   </a:solidFill>
@@ -819,7 +820,7 @@
             </a:ln>
             <a:extLst>
               <a:ext uri="{91240B29-F687-4f45-9708-019B960494DF}">
-                <a14:hiddenLine xmlns="" xmlns:a14="http://schemas.microsoft.com/office/drawing/2010/main" w="9525">
+                <a14:hiddenLine xmlns:a14="http://schemas.microsoft.com/office/drawing/2010/main" xmlns="" w="9525">
                   <a:solidFill>
                     <a:srgbClr val="000000"/>
                   </a:solidFill>
@@ -881,7 +882,7 @@
             </a:ln>
             <a:extLst>
               <a:ext uri="{91240B29-F687-4f45-9708-019B960494DF}">
-                <a14:hiddenLine xmlns="" xmlns:a14="http://schemas.microsoft.com/office/drawing/2010/main" w="9525">
+                <a14:hiddenLine xmlns:a14="http://schemas.microsoft.com/office/drawing/2010/main" xmlns="" w="9525">
                   <a:solidFill>
                     <a:srgbClr val="000000"/>
                   </a:solidFill>
@@ -971,7 +972,7 @@
             </a:ln>
             <a:extLst>
               <a:ext uri="{91240B29-F687-4f45-9708-019B960494DF}">
-                <a14:hiddenLine xmlns="" xmlns:a14="http://schemas.microsoft.com/office/drawing/2010/main" w="9525">
+                <a14:hiddenLine xmlns:a14="http://schemas.microsoft.com/office/drawing/2010/main" xmlns="" w="9525">
                   <a:solidFill>
                     <a:srgbClr val="000000"/>
                   </a:solidFill>
@@ -1061,7 +1062,7 @@
             </a:ln>
             <a:extLst>
               <a:ext uri="{91240B29-F687-4f45-9708-019B960494DF}">
-                <a14:hiddenLine xmlns="" xmlns:a14="http://schemas.microsoft.com/office/drawing/2010/main" w="9525">
+                <a14:hiddenLine xmlns:a14="http://schemas.microsoft.com/office/drawing/2010/main" xmlns="" w="9525">
                   <a:solidFill>
                     <a:srgbClr val="000000"/>
                   </a:solidFill>
@@ -1123,7 +1124,7 @@
             </a:ln>
             <a:extLst>
               <a:ext uri="{91240B29-F687-4f45-9708-019B960494DF}">
-                <a14:hiddenLine xmlns="" xmlns:a14="http://schemas.microsoft.com/office/drawing/2010/main" w="9525">
+                <a14:hiddenLine xmlns:a14="http://schemas.microsoft.com/office/drawing/2010/main" xmlns="" w="9525">
                   <a:solidFill>
                     <a:srgbClr val="000000"/>
                   </a:solidFill>
@@ -1233,7 +1234,7 @@
             </a:ln>
             <a:extLst>
               <a:ext uri="{91240B29-F687-4f45-9708-019B960494DF}">
-                <a14:hiddenLine xmlns="" xmlns:a14="http://schemas.microsoft.com/office/drawing/2010/main" w="9525">
+                <a14:hiddenLine xmlns:a14="http://schemas.microsoft.com/office/drawing/2010/main" xmlns="" w="9525">
                   <a:solidFill>
                     <a:srgbClr val="000000"/>
                   </a:solidFill>
@@ -1295,7 +1296,7 @@
             </a:ln>
             <a:extLst>
               <a:ext uri="{91240B29-F687-4f45-9708-019B960494DF}">
-                <a14:hiddenLine xmlns="" xmlns:a14="http://schemas.microsoft.com/office/drawing/2010/main" w="9525">
+                <a14:hiddenLine xmlns:a14="http://schemas.microsoft.com/office/drawing/2010/main" xmlns="" w="9525">
                   <a:solidFill>
                     <a:srgbClr val="000000"/>
                   </a:solidFill>
@@ -1385,7 +1386,7 @@
             </a:ln>
             <a:extLst>
               <a:ext uri="{91240B29-F687-4f45-9708-019B960494DF}">
-                <a14:hiddenLine xmlns="" xmlns:a14="http://schemas.microsoft.com/office/drawing/2010/main" w="9525">
+                <a14:hiddenLine xmlns:a14="http://schemas.microsoft.com/office/drawing/2010/main" xmlns="" w="9525">
                   <a:solidFill>
                     <a:srgbClr val="000000"/>
                   </a:solidFill>
@@ -1475,7 +1476,7 @@
             </a:ln>
             <a:extLst>
               <a:ext uri="{91240B29-F687-4f45-9708-019B960494DF}">
-                <a14:hiddenLine xmlns="" xmlns:a14="http://schemas.microsoft.com/office/drawing/2010/main" w="9525">
+                <a14:hiddenLine xmlns:a14="http://schemas.microsoft.com/office/drawing/2010/main" xmlns="" w="9525">
                   <a:solidFill>
                     <a:srgbClr val="000000"/>
                   </a:solidFill>
@@ -1537,7 +1538,7 @@
             </a:ln>
             <a:extLst>
               <a:ext uri="{91240B29-F687-4f45-9708-019B960494DF}">
-                <a14:hiddenLine xmlns="" xmlns:a14="http://schemas.microsoft.com/office/drawing/2010/main" w="9525">
+                <a14:hiddenLine xmlns:a14="http://schemas.microsoft.com/office/drawing/2010/main" xmlns="" w="9525">
                   <a:solidFill>
                     <a:srgbClr val="000000"/>
                   </a:solidFill>
@@ -1627,7 +1628,7 @@
             </a:ln>
             <a:extLst>
               <a:ext uri="{91240B29-F687-4f45-9708-019B960494DF}">
-                <a14:hiddenLine xmlns="" xmlns:a14="http://schemas.microsoft.com/office/drawing/2010/main" w="9525">
+                <a14:hiddenLine xmlns:a14="http://schemas.microsoft.com/office/drawing/2010/main" xmlns="" w="9525">
                   <a:solidFill>
                     <a:srgbClr val="000000"/>
                   </a:solidFill>
@@ -1717,7 +1718,7 @@
             </a:ln>
             <a:extLst>
               <a:ext uri="{91240B29-F687-4f45-9708-019B960494DF}">
-                <a14:hiddenLine xmlns="" xmlns:a14="http://schemas.microsoft.com/office/drawing/2010/main" w="9525">
+                <a14:hiddenLine xmlns:a14="http://schemas.microsoft.com/office/drawing/2010/main" xmlns="" w="9525">
                   <a:solidFill>
                     <a:srgbClr val="000000"/>
                   </a:solidFill>
@@ -1773,7 +1774,7 @@
             </a:ln>
             <a:extLst>
               <a:ext uri="{91240B29-F687-4f45-9708-019B960494DF}">
-                <a14:hiddenLine xmlns="" xmlns:a14="http://schemas.microsoft.com/office/drawing/2010/main" w="9525">
+                <a14:hiddenLine xmlns:a14="http://schemas.microsoft.com/office/drawing/2010/main" xmlns="" w="9525">
                   <a:solidFill>
                     <a:srgbClr val="000000"/>
                   </a:solidFill>
@@ -1863,7 +1864,7 @@
             </a:ln>
             <a:extLst>
               <a:ext uri="{91240B29-F687-4f45-9708-019B960494DF}">
-                <a14:hiddenLine xmlns="" xmlns:a14="http://schemas.microsoft.com/office/drawing/2010/main" w="9525">
+                <a14:hiddenLine xmlns:a14="http://schemas.microsoft.com/office/drawing/2010/main" xmlns="" w="9525">
                   <a:solidFill>
                     <a:srgbClr val="000000"/>
                   </a:solidFill>
@@ -1919,7 +1920,7 @@
             </a:ln>
             <a:extLst>
               <a:ext uri="{91240B29-F687-4f45-9708-019B960494DF}">
-                <a14:hiddenLine xmlns="" xmlns:a14="http://schemas.microsoft.com/office/drawing/2010/main" w="9525">
+                <a14:hiddenLine xmlns:a14="http://schemas.microsoft.com/office/drawing/2010/main" xmlns="" w="9525">
                   <a:solidFill>
                     <a:srgbClr val="000000"/>
                   </a:solidFill>
@@ -2009,7 +2010,7 @@
             </a:ln>
             <a:extLst>
               <a:ext uri="{91240B29-F687-4f45-9708-019B960494DF}">
-                <a14:hiddenLine xmlns="" xmlns:a14="http://schemas.microsoft.com/office/drawing/2010/main" w="9525">
+                <a14:hiddenLine xmlns:a14="http://schemas.microsoft.com/office/drawing/2010/main" xmlns="" w="9525">
                   <a:solidFill>
                     <a:srgbClr val="000000"/>
                   </a:solidFill>
@@ -2077,7 +2078,7 @@
             </a:ln>
             <a:extLst>
               <a:ext uri="{91240B29-F687-4f45-9708-019B960494DF}">
-                <a14:hiddenLine xmlns="" xmlns:a14="http://schemas.microsoft.com/office/drawing/2010/main" w="9525">
+                <a14:hiddenLine xmlns:a14="http://schemas.microsoft.com/office/drawing/2010/main" xmlns="" w="9525">
                   <a:solidFill>
                     <a:srgbClr val="000000"/>
                   </a:solidFill>
@@ -2167,7 +2168,7 @@
             </a:ln>
             <a:extLst>
               <a:ext uri="{91240B29-F687-4f45-9708-019B960494DF}">
-                <a14:hiddenLine xmlns="" xmlns:a14="http://schemas.microsoft.com/office/drawing/2010/main" w="9525">
+                <a14:hiddenLine xmlns:a14="http://schemas.microsoft.com/office/drawing/2010/main" xmlns="" w="9525">
                   <a:solidFill>
                     <a:srgbClr val="000000"/>
                   </a:solidFill>
@@ -2235,7 +2236,7 @@
             </a:ln>
             <a:extLst>
               <a:ext uri="{91240B29-F687-4f45-9708-019B960494DF}">
-                <a14:hiddenLine xmlns="" xmlns:a14="http://schemas.microsoft.com/office/drawing/2010/main" w="9525">
+                <a14:hiddenLine xmlns:a14="http://schemas.microsoft.com/office/drawing/2010/main" xmlns="" w="9525">
                   <a:solidFill>
                     <a:srgbClr val="000000"/>
                   </a:solidFill>
@@ -2325,7 +2326,7 @@
             </a:ln>
             <a:extLst>
               <a:ext uri="{91240B29-F687-4f45-9708-019B960494DF}">
-                <a14:hiddenLine xmlns="" xmlns:a14="http://schemas.microsoft.com/office/drawing/2010/main" w="9525">
+                <a14:hiddenLine xmlns:a14="http://schemas.microsoft.com/office/drawing/2010/main" xmlns="" w="9525">
                   <a:solidFill>
                     <a:srgbClr val="000000"/>
                   </a:solidFill>
@@ -2359,7 +2360,7 @@
             </a:ln>
             <a:extLst>
               <a:ext uri="{91240B29-F687-4f45-9708-019B960494DF}">
-                <a14:hiddenLine xmlns="" xmlns:a14="http://schemas.microsoft.com/office/drawing/2010/main" w="9525">
+                <a14:hiddenLine xmlns:a14="http://schemas.microsoft.com/office/drawing/2010/main" xmlns="" w="9525">
                   <a:solidFill>
                     <a:srgbClr val="000000"/>
                   </a:solidFill>
@@ -2449,7 +2450,7 @@
             </a:ln>
             <a:extLst>
               <a:ext uri="{91240B29-F687-4f45-9708-019B960494DF}">
-                <a14:hiddenLine xmlns="" xmlns:a14="http://schemas.microsoft.com/office/drawing/2010/main" w="9525">
+                <a14:hiddenLine xmlns:a14="http://schemas.microsoft.com/office/drawing/2010/main" xmlns="" w="9525">
                   <a:solidFill>
                     <a:srgbClr val="000000"/>
                   </a:solidFill>
@@ -2511,7 +2512,7 @@
             </a:ln>
             <a:extLst>
               <a:ext uri="{91240B29-F687-4f45-9708-019B960494DF}">
-                <a14:hiddenLine xmlns="" xmlns:a14="http://schemas.microsoft.com/office/drawing/2010/main" w="9525">
+                <a14:hiddenLine xmlns:a14="http://schemas.microsoft.com/office/drawing/2010/main" xmlns="" w="9525">
                   <a:solidFill>
                     <a:srgbClr val="000000"/>
                   </a:solidFill>
@@ -2573,7 +2574,7 @@
             </a:ln>
             <a:extLst>
               <a:ext uri="{91240B29-F687-4f45-9708-019B960494DF}">
-                <a14:hiddenLine xmlns="" xmlns:a14="http://schemas.microsoft.com/office/drawing/2010/main" w="9525">
+                <a14:hiddenLine xmlns:a14="http://schemas.microsoft.com/office/drawing/2010/main" xmlns="" w="9525">
                   <a:solidFill>
                     <a:srgbClr val="000000"/>
                   </a:solidFill>
@@ -2663,7 +2664,7 @@
             </a:ln>
             <a:extLst>
               <a:ext uri="{91240B29-F687-4f45-9708-019B960494DF}">
-                <a14:hiddenLine xmlns="" xmlns:a14="http://schemas.microsoft.com/office/drawing/2010/main" w="9525">
+                <a14:hiddenLine xmlns:a14="http://schemas.microsoft.com/office/drawing/2010/main" xmlns="" w="9525">
                   <a:solidFill>
                     <a:srgbClr val="000000"/>
                   </a:solidFill>
@@ -2731,7 +2732,7 @@
             </a:ln>
             <a:extLst>
               <a:ext uri="{91240B29-F687-4f45-9708-019B960494DF}">
-                <a14:hiddenLine xmlns="" xmlns:a14="http://schemas.microsoft.com/office/drawing/2010/main" w="9525">
+                <a14:hiddenLine xmlns:a14="http://schemas.microsoft.com/office/drawing/2010/main" xmlns="" w="9525">
                   <a:solidFill>
                     <a:srgbClr val="000000"/>
                   </a:solidFill>
@@ -2793,7 +2794,7 @@
             </a:ln>
             <a:extLst>
               <a:ext uri="{91240B29-F687-4f45-9708-019B960494DF}">
-                <a14:hiddenLine xmlns="" xmlns:a14="http://schemas.microsoft.com/office/drawing/2010/main" w="9525">
+                <a14:hiddenLine xmlns:a14="http://schemas.microsoft.com/office/drawing/2010/main" xmlns="" w="9525">
                   <a:solidFill>
                     <a:srgbClr val="000000"/>
                   </a:solidFill>
@@ -2883,7 +2884,7 @@
             </a:ln>
             <a:extLst>
               <a:ext uri="{91240B29-F687-4f45-9708-019B960494DF}">
-                <a14:hiddenLine xmlns="" xmlns:a14="http://schemas.microsoft.com/office/drawing/2010/main" w="9525">
+                <a14:hiddenLine xmlns:a14="http://schemas.microsoft.com/office/drawing/2010/main" xmlns="" w="9525">
                   <a:solidFill>
                     <a:srgbClr val="000000"/>
                   </a:solidFill>
@@ -2945,7 +2946,7 @@
             </a:ln>
             <a:extLst>
               <a:ext uri="{91240B29-F687-4f45-9708-019B960494DF}">
-                <a14:hiddenLine xmlns="" xmlns:a14="http://schemas.microsoft.com/office/drawing/2010/main" w="9525">
+                <a14:hiddenLine xmlns:a14="http://schemas.microsoft.com/office/drawing/2010/main" xmlns="" w="9525">
                   <a:solidFill>
                     <a:srgbClr val="000000"/>
                   </a:solidFill>
@@ -3035,7 +3036,7 @@
             </a:ln>
             <a:extLst>
               <a:ext uri="{91240B29-F687-4f45-9708-019B960494DF}">
-                <a14:hiddenLine xmlns="" xmlns:a14="http://schemas.microsoft.com/office/drawing/2010/main" w="9525">
+                <a14:hiddenLine xmlns:a14="http://schemas.microsoft.com/office/drawing/2010/main" xmlns="" w="9525">
                   <a:solidFill>
                     <a:srgbClr val="000000"/>
                   </a:solidFill>
@@ -3097,7 +3098,7 @@
             </a:ln>
             <a:extLst>
               <a:ext uri="{91240B29-F687-4f45-9708-019B960494DF}">
-                <a14:hiddenLine xmlns="" xmlns:a14="http://schemas.microsoft.com/office/drawing/2010/main" w="9525">
+                <a14:hiddenLine xmlns:a14="http://schemas.microsoft.com/office/drawing/2010/main" xmlns="" w="9525">
                   <a:solidFill>
                     <a:srgbClr val="000000"/>
                   </a:solidFill>
@@ -3187,7 +3188,7 @@
             </a:ln>
             <a:extLst>
               <a:ext uri="{91240B29-F687-4f45-9708-019B960494DF}">
-                <a14:hiddenLine xmlns="" xmlns:a14="http://schemas.microsoft.com/office/drawing/2010/main" w="9525">
+                <a14:hiddenLine xmlns:a14="http://schemas.microsoft.com/office/drawing/2010/main" xmlns="" w="9525">
                   <a:solidFill>
                     <a:srgbClr val="000000"/>
                   </a:solidFill>
@@ -3221,7 +3222,7 @@
             </a:ln>
             <a:extLst>
               <a:ext uri="{91240B29-F687-4f45-9708-019B960494DF}">
-                <a14:hiddenLine xmlns="" xmlns:a14="http://schemas.microsoft.com/office/drawing/2010/main" w="9525">
+                <a14:hiddenLine xmlns:a14="http://schemas.microsoft.com/office/drawing/2010/main" xmlns="" w="9525">
                   <a:solidFill>
                     <a:srgbClr val="000000"/>
                   </a:solidFill>
@@ -3286,7 +3287,7 @@
             </a:ln>
             <a:extLst>
               <a:ext uri="{91240B29-F687-4f45-9708-019B960494DF}">
-                <a14:hiddenLine xmlns="" xmlns:a14="http://schemas.microsoft.com/office/drawing/2010/main" w="9525">
+                <a14:hiddenLine xmlns:a14="http://schemas.microsoft.com/office/drawing/2010/main" xmlns="" w="9525">
                   <a:solidFill>
                     <a:srgbClr val="000000"/>
                   </a:solidFill>
@@ -3376,7 +3377,7 @@
             </a:ln>
             <a:extLst>
               <a:ext uri="{91240B29-F687-4f45-9708-019B960494DF}">
-                <a14:hiddenLine xmlns="" xmlns:a14="http://schemas.microsoft.com/office/drawing/2010/main" w="9525">
+                <a14:hiddenLine xmlns:a14="http://schemas.microsoft.com/office/drawing/2010/main" xmlns="" w="9525">
                   <a:solidFill>
                     <a:srgbClr val="000000"/>
                   </a:solidFill>
@@ -3438,7 +3439,7 @@
             </a:ln>
             <a:extLst>
               <a:ext uri="{91240B29-F687-4f45-9708-019B960494DF}">
-                <a14:hiddenLine xmlns="" xmlns:a14="http://schemas.microsoft.com/office/drawing/2010/main" w="9525">
+                <a14:hiddenLine xmlns:a14="http://schemas.microsoft.com/office/drawing/2010/main" xmlns="" w="9525">
                   <a:solidFill>
                     <a:srgbClr val="000000"/>
                   </a:solidFill>
@@ -3528,7 +3529,7 @@
             </a:ln>
             <a:extLst>
               <a:ext uri="{91240B29-F687-4f45-9708-019B960494DF}">
-                <a14:hiddenLine xmlns="" xmlns:a14="http://schemas.microsoft.com/office/drawing/2010/main" w="9525">
+                <a14:hiddenLine xmlns:a14="http://schemas.microsoft.com/office/drawing/2010/main" xmlns="" w="9525">
                   <a:solidFill>
                     <a:srgbClr val="000000"/>
                   </a:solidFill>
@@ -3618,7 +3619,7 @@
             </a:ln>
             <a:extLst>
               <a:ext uri="{91240B29-F687-4f45-9708-019B960494DF}">
-                <a14:hiddenLine xmlns="" xmlns:a14="http://schemas.microsoft.com/office/drawing/2010/main" w="9525">
+                <a14:hiddenLine xmlns:a14="http://schemas.microsoft.com/office/drawing/2010/main" xmlns="" w="9525">
                   <a:solidFill>
                     <a:srgbClr val="000000"/>
                   </a:solidFill>
@@ -3683,7 +3684,7 @@
             </a:ln>
             <a:extLst>
               <a:ext uri="{91240B29-F687-4f45-9708-019B960494DF}">
-                <a14:hiddenLine xmlns="" xmlns:a14="http://schemas.microsoft.com/office/drawing/2010/main" w="9525">
+                <a14:hiddenLine xmlns:a14="http://schemas.microsoft.com/office/drawing/2010/main" xmlns="" w="9525">
                   <a:solidFill>
                     <a:srgbClr val="000000"/>
                   </a:solidFill>
@@ -3745,7 +3746,7 @@
             </a:ln>
             <a:extLst>
               <a:ext uri="{91240B29-F687-4f45-9708-019B960494DF}">
-                <a14:hiddenLine xmlns="" xmlns:a14="http://schemas.microsoft.com/office/drawing/2010/main" w="9525">
+                <a14:hiddenLine xmlns:a14="http://schemas.microsoft.com/office/drawing/2010/main" xmlns="" w="9525">
                   <a:solidFill>
                     <a:srgbClr val="000000"/>
                   </a:solidFill>
@@ -3835,7 +3836,7 @@
             </a:ln>
             <a:extLst>
               <a:ext uri="{91240B29-F687-4f45-9708-019B960494DF}">
-                <a14:hiddenLine xmlns="" xmlns:a14="http://schemas.microsoft.com/office/drawing/2010/main" w="9525">
+                <a14:hiddenLine xmlns:a14="http://schemas.microsoft.com/office/drawing/2010/main" xmlns="" w="9525">
                   <a:solidFill>
                     <a:srgbClr val="000000"/>
                   </a:solidFill>
@@ -3925,7 +3926,7 @@
             </a:ln>
             <a:extLst>
               <a:ext uri="{91240B29-F687-4f45-9708-019B960494DF}">
-                <a14:hiddenLine xmlns="" xmlns:a14="http://schemas.microsoft.com/office/drawing/2010/main" w="9525">
+                <a14:hiddenLine xmlns:a14="http://schemas.microsoft.com/office/drawing/2010/main" xmlns="" w="9525">
                   <a:solidFill>
                     <a:srgbClr val="000000"/>
                   </a:solidFill>
@@ -3987,7 +3988,7 @@
             </a:ln>
             <a:extLst>
               <a:ext uri="{91240B29-F687-4f45-9708-019B960494DF}">
-                <a14:hiddenLine xmlns="" xmlns:a14="http://schemas.microsoft.com/office/drawing/2010/main" w="9525">
+                <a14:hiddenLine xmlns:a14="http://schemas.microsoft.com/office/drawing/2010/main" xmlns="" w="9525">
                   <a:solidFill>
                     <a:srgbClr val="000000"/>
                   </a:solidFill>
@@ -4107,7 +4108,7 @@
             </a:ln>
             <a:extLst>
               <a:ext uri="{91240B29-F687-4f45-9708-019B960494DF}">
-                <a14:hiddenLine xmlns="" xmlns:a14="http://schemas.microsoft.com/office/drawing/2010/main" w="9525">
+                <a14:hiddenLine xmlns:a14="http://schemas.microsoft.com/office/drawing/2010/main" xmlns="" w="9525">
                   <a:solidFill>
                     <a:srgbClr val="000000"/>
                   </a:solidFill>
@@ -4175,7 +4176,7 @@
             </a:ln>
             <a:extLst>
               <a:ext uri="{91240B29-F687-4f45-9708-019B960494DF}">
-                <a14:hiddenLine xmlns="" xmlns:a14="http://schemas.microsoft.com/office/drawing/2010/main" w="9525">
+                <a14:hiddenLine xmlns:a14="http://schemas.microsoft.com/office/drawing/2010/main" xmlns="" w="9525">
                   <a:solidFill>
                     <a:srgbClr val="000000"/>
                   </a:solidFill>
@@ -4265,7 +4266,7 @@
             </a:ln>
             <a:extLst>
               <a:ext uri="{91240B29-F687-4f45-9708-019B960494DF}">
-                <a14:hiddenLine xmlns="" xmlns:a14="http://schemas.microsoft.com/office/drawing/2010/main" w="9525">
+                <a14:hiddenLine xmlns:a14="http://schemas.microsoft.com/office/drawing/2010/main" xmlns="" w="9525">
                   <a:solidFill>
                     <a:srgbClr val="000000"/>
                   </a:solidFill>
@@ -4405,7 +4406,7 @@
           <a:p>
             <a:fld id="{EAA2FCAC-B0FC-4561-97A2-3A4896B6BEB0}" type="datetimeFigureOut">
               <a:rPr lang="en-US" smtClean="0"/>
-              <a:t>2/4/2019</a:t>
+              <a:t>4/10/2019</a:t>
             </a:fld>
             <a:endParaRPr lang="en-US"/>
           </a:p>
@@ -4672,7 +4673,7 @@
           <a:p>
             <a:fld id="{EAA2FCAC-B0FC-4561-97A2-3A4896B6BEB0}" type="datetimeFigureOut">
               <a:rPr lang="en-US" smtClean="0"/>
-              <a:t>2/4/2019</a:t>
+              <a:t>4/10/2019</a:t>
             </a:fld>
             <a:endParaRPr lang="en-US"/>
           </a:p>
@@ -4868,7 +4869,7 @@
           <a:p>
             <a:fld id="{EAA2FCAC-B0FC-4561-97A2-3A4896B6BEB0}" type="datetimeFigureOut">
               <a:rPr lang="en-US" smtClean="0"/>
-              <a:t>2/4/2019</a:t>
+              <a:t>4/10/2019</a:t>
             </a:fld>
             <a:endParaRPr lang="en-US"/>
           </a:p>
@@ -5131,7 +5132,7 @@
           <a:p>
             <a:fld id="{EAA2FCAC-B0FC-4561-97A2-3A4896B6BEB0}" type="datetimeFigureOut">
               <a:rPr lang="en-US" smtClean="0"/>
-              <a:t>2/4/2019</a:t>
+              <a:t>4/10/2019</a:t>
             </a:fld>
             <a:endParaRPr lang="en-US"/>
           </a:p>
@@ -5565,7 +5566,7 @@
           <a:p>
             <a:fld id="{EAA2FCAC-B0FC-4561-97A2-3A4896B6BEB0}" type="datetimeFigureOut">
               <a:rPr lang="en-US" smtClean="0"/>
-              <a:t>2/4/2019</a:t>
+              <a:t>4/10/2019</a:t>
             </a:fld>
             <a:endParaRPr lang="en-US"/>
           </a:p>
@@ -6111,7 +6112,7 @@
           <a:p>
             <a:fld id="{EAA2FCAC-B0FC-4561-97A2-3A4896B6BEB0}" type="datetimeFigureOut">
               <a:rPr lang="en-US" smtClean="0"/>
-              <a:t>2/4/2019</a:t>
+              <a:t>4/10/2019</a:t>
             </a:fld>
             <a:endParaRPr lang="en-US"/>
           </a:p>
@@ -6831,7 +6832,7 @@
           <a:p>
             <a:fld id="{EAA2FCAC-B0FC-4561-97A2-3A4896B6BEB0}" type="datetimeFigureOut">
               <a:rPr lang="en-US" smtClean="0"/>
-              <a:t>2/4/2019</a:t>
+              <a:t>4/10/2019</a:t>
             </a:fld>
             <a:endParaRPr lang="en-US"/>
           </a:p>
@@ -7001,7 +7002,7 @@
           <a:p>
             <a:fld id="{EAA2FCAC-B0FC-4561-97A2-3A4896B6BEB0}" type="datetimeFigureOut">
               <a:rPr lang="en-US" smtClean="0"/>
-              <a:t>2/4/2019</a:t>
+              <a:t>4/10/2019</a:t>
             </a:fld>
             <a:endParaRPr lang="en-US"/>
           </a:p>
@@ -7181,7 +7182,7 @@
           <a:p>
             <a:fld id="{EAA2FCAC-B0FC-4561-97A2-3A4896B6BEB0}" type="datetimeFigureOut">
               <a:rPr lang="en-US" smtClean="0"/>
-              <a:t>2/4/2019</a:t>
+              <a:t>4/10/2019</a:t>
             </a:fld>
             <a:endParaRPr lang="en-US"/>
           </a:p>
@@ -7351,7 +7352,7 @@
           <a:p>
             <a:fld id="{EAA2FCAC-B0FC-4561-97A2-3A4896B6BEB0}" type="datetimeFigureOut">
               <a:rPr lang="en-US" smtClean="0"/>
-              <a:t>2/4/2019</a:t>
+              <a:t>4/10/2019</a:t>
             </a:fld>
             <a:endParaRPr lang="en-US"/>
           </a:p>
@@ -7601,7 +7602,7 @@
           <a:p>
             <a:fld id="{EAA2FCAC-B0FC-4561-97A2-3A4896B6BEB0}" type="datetimeFigureOut">
               <a:rPr lang="en-US" smtClean="0"/>
-              <a:t>2/4/2019</a:t>
+              <a:t>4/10/2019</a:t>
             </a:fld>
             <a:endParaRPr lang="en-US"/>
           </a:p>
@@ -7833,7 +7834,7 @@
           <a:p>
             <a:fld id="{EAA2FCAC-B0FC-4561-97A2-3A4896B6BEB0}" type="datetimeFigureOut">
               <a:rPr lang="en-US" smtClean="0"/>
-              <a:t>2/4/2019</a:t>
+              <a:t>4/10/2019</a:t>
             </a:fld>
             <a:endParaRPr lang="en-US"/>
           </a:p>
@@ -8214,7 +8215,7 @@
           <a:p>
             <a:fld id="{EAA2FCAC-B0FC-4561-97A2-3A4896B6BEB0}" type="datetimeFigureOut">
               <a:rPr lang="en-US" smtClean="0"/>
-              <a:t>2/4/2019</a:t>
+              <a:t>4/10/2019</a:t>
             </a:fld>
             <a:endParaRPr lang="en-US"/>
           </a:p>
@@ -8332,7 +8333,7 @@
           <a:p>
             <a:fld id="{EAA2FCAC-B0FC-4561-97A2-3A4896B6BEB0}" type="datetimeFigureOut">
               <a:rPr lang="en-US" smtClean="0"/>
-              <a:t>2/4/2019</a:t>
+              <a:t>4/10/2019</a:t>
             </a:fld>
             <a:endParaRPr lang="en-US"/>
           </a:p>
@@ -8427,7 +8428,7 @@
           <a:p>
             <a:fld id="{EAA2FCAC-B0FC-4561-97A2-3A4896B6BEB0}" type="datetimeFigureOut">
               <a:rPr lang="en-US" smtClean="0"/>
-              <a:t>2/4/2019</a:t>
+              <a:t>4/10/2019</a:t>
             </a:fld>
             <a:endParaRPr lang="en-US"/>
           </a:p>
@@ -8676,7 +8677,7 @@
           <a:p>
             <a:fld id="{EAA2FCAC-B0FC-4561-97A2-3A4896B6BEB0}" type="datetimeFigureOut">
               <a:rPr lang="en-US" smtClean="0"/>
-              <a:t>2/4/2019</a:t>
+              <a:t>4/10/2019</a:t>
             </a:fld>
             <a:endParaRPr lang="en-US"/>
           </a:p>
@@ -8956,7 +8957,7 @@
           <a:p>
             <a:fld id="{EAA2FCAC-B0FC-4561-97A2-3A4896B6BEB0}" type="datetimeFigureOut">
               <a:rPr lang="en-US" smtClean="0"/>
-              <a:t>2/4/2019</a:t>
+              <a:t>4/10/2019</a:t>
             </a:fld>
             <a:endParaRPr lang="en-US"/>
           </a:p>
@@ -9079,7 +9080,7 @@
           <a:noFill/>
           <a:extLst>
             <a:ext uri="{909E8E84-426E-40dd-AFC4-6F175D3DCCD1}">
-              <a14:hiddenFill xmlns="" xmlns:a14="http://schemas.microsoft.com/office/drawing/2010/main">
+              <a14:hiddenFill xmlns:a14="http://schemas.microsoft.com/office/drawing/2010/main" xmlns="">
                 <a:solidFill>
                   <a:srgbClr val="FFFFFF"/>
                 </a:solidFill>
@@ -9153,7 +9154,7 @@
               </a:ln>
               <a:extLst>
                 <a:ext uri="{91240B29-F687-4f45-9708-019B960494DF}">
-                  <a14:hiddenLine xmlns="" xmlns:a14="http://schemas.microsoft.com/office/drawing/2010/main" w="9525">
+                  <a14:hiddenLine xmlns:a14="http://schemas.microsoft.com/office/drawing/2010/main" xmlns="" w="9525">
                     <a:solidFill>
                       <a:srgbClr val="000000"/>
                     </a:solidFill>
@@ -9243,7 +9244,7 @@
               </a:ln>
               <a:extLst>
                 <a:ext uri="{91240B29-F687-4f45-9708-019B960494DF}">
-                  <a14:hiddenLine xmlns="" xmlns:a14="http://schemas.microsoft.com/office/drawing/2010/main" w="9525">
+                  <a14:hiddenLine xmlns:a14="http://schemas.microsoft.com/office/drawing/2010/main" xmlns="" w="9525">
                     <a:solidFill>
                       <a:srgbClr val="000000"/>
                     </a:solidFill>
@@ -9333,7 +9334,7 @@
               </a:ln>
               <a:extLst>
                 <a:ext uri="{91240B29-F687-4f45-9708-019B960494DF}">
-                  <a14:hiddenLine xmlns="" xmlns:a14="http://schemas.microsoft.com/office/drawing/2010/main" w="9525">
+                  <a14:hiddenLine xmlns:a14="http://schemas.microsoft.com/office/drawing/2010/main" xmlns="" w="9525">
                     <a:solidFill>
                       <a:srgbClr val="000000"/>
                     </a:solidFill>
@@ -9395,7 +9396,7 @@
               </a:ln>
               <a:extLst>
                 <a:ext uri="{91240B29-F687-4f45-9708-019B960494DF}">
-                  <a14:hiddenLine xmlns="" xmlns:a14="http://schemas.microsoft.com/office/drawing/2010/main" w="9525">
+                  <a14:hiddenLine xmlns:a14="http://schemas.microsoft.com/office/drawing/2010/main" xmlns="" w="9525">
                     <a:solidFill>
                       <a:srgbClr val="000000"/>
                     </a:solidFill>
@@ -9485,7 +9486,7 @@
               </a:ln>
               <a:extLst>
                 <a:ext uri="{91240B29-F687-4f45-9708-019B960494DF}">
-                  <a14:hiddenLine xmlns="" xmlns:a14="http://schemas.microsoft.com/office/drawing/2010/main" w="9525">
+                  <a14:hiddenLine xmlns:a14="http://schemas.microsoft.com/office/drawing/2010/main" xmlns="" w="9525">
                     <a:solidFill>
                       <a:srgbClr val="000000"/>
                     </a:solidFill>
@@ -9547,7 +9548,7 @@
               </a:ln>
               <a:extLst>
                 <a:ext uri="{91240B29-F687-4f45-9708-019B960494DF}">
-                  <a14:hiddenLine xmlns="" xmlns:a14="http://schemas.microsoft.com/office/drawing/2010/main" w="9525">
+                  <a14:hiddenLine xmlns:a14="http://schemas.microsoft.com/office/drawing/2010/main" xmlns="" w="9525">
                     <a:solidFill>
                       <a:srgbClr val="000000"/>
                     </a:solidFill>
@@ -9609,7 +9610,7 @@
               </a:ln>
               <a:extLst>
                 <a:ext uri="{91240B29-F687-4f45-9708-019B960494DF}">
-                  <a14:hiddenLine xmlns="" xmlns:a14="http://schemas.microsoft.com/office/drawing/2010/main" w="9525">
+                  <a14:hiddenLine xmlns:a14="http://schemas.microsoft.com/office/drawing/2010/main" xmlns="" w="9525">
                     <a:solidFill>
                       <a:srgbClr val="000000"/>
                     </a:solidFill>
@@ -9699,7 +9700,7 @@
               </a:ln>
               <a:extLst>
                 <a:ext uri="{91240B29-F687-4f45-9708-019B960494DF}">
-                  <a14:hiddenLine xmlns="" xmlns:a14="http://schemas.microsoft.com/office/drawing/2010/main" w="9525">
+                  <a14:hiddenLine xmlns:a14="http://schemas.microsoft.com/office/drawing/2010/main" xmlns="" w="9525">
                     <a:solidFill>
                       <a:srgbClr val="000000"/>
                     </a:solidFill>
@@ -9789,7 +9790,7 @@
               </a:ln>
               <a:extLst>
                 <a:ext uri="{91240B29-F687-4f45-9708-019B960494DF}">
-                  <a14:hiddenLine xmlns="" xmlns:a14="http://schemas.microsoft.com/office/drawing/2010/main" w="9525">
+                  <a14:hiddenLine xmlns:a14="http://schemas.microsoft.com/office/drawing/2010/main" xmlns="" w="9525">
                     <a:solidFill>
                       <a:srgbClr val="000000"/>
                     </a:solidFill>
@@ -9851,7 +9852,7 @@
               </a:ln>
               <a:extLst>
                 <a:ext uri="{91240B29-F687-4f45-9708-019B960494DF}">
-                  <a14:hiddenLine xmlns="" xmlns:a14="http://schemas.microsoft.com/office/drawing/2010/main" w="9525">
+                  <a14:hiddenLine xmlns:a14="http://schemas.microsoft.com/office/drawing/2010/main" xmlns="" w="9525">
                     <a:solidFill>
                       <a:srgbClr val="000000"/>
                     </a:solidFill>
@@ -9961,7 +9962,7 @@
               </a:ln>
               <a:extLst>
                 <a:ext uri="{91240B29-F687-4f45-9708-019B960494DF}">
-                  <a14:hiddenLine xmlns="" xmlns:a14="http://schemas.microsoft.com/office/drawing/2010/main" w="9525">
+                  <a14:hiddenLine xmlns:a14="http://schemas.microsoft.com/office/drawing/2010/main" xmlns="" w="9525">
                     <a:solidFill>
                       <a:srgbClr val="000000"/>
                     </a:solidFill>
@@ -10045,7 +10046,7 @@
               </a:ln>
               <a:extLst>
                 <a:ext uri="{91240B29-F687-4f45-9708-019B960494DF}">
-                  <a14:hiddenLine xmlns="" xmlns:a14="http://schemas.microsoft.com/office/drawing/2010/main" w="9525">
+                  <a14:hiddenLine xmlns:a14="http://schemas.microsoft.com/office/drawing/2010/main" xmlns="" w="9525">
                     <a:solidFill>
                       <a:srgbClr val="000000"/>
                     </a:solidFill>
@@ -10107,7 +10108,7 @@
               </a:ln>
               <a:extLst>
                 <a:ext uri="{91240B29-F687-4f45-9708-019B960494DF}">
-                  <a14:hiddenLine xmlns="" xmlns:a14="http://schemas.microsoft.com/office/drawing/2010/main" w="9525">
+                  <a14:hiddenLine xmlns:a14="http://schemas.microsoft.com/office/drawing/2010/main" xmlns="" w="9525">
                     <a:solidFill>
                       <a:srgbClr val="000000"/>
                     </a:solidFill>
@@ -10169,7 +10170,7 @@
               </a:ln>
               <a:extLst>
                 <a:ext uri="{91240B29-F687-4f45-9708-019B960494DF}">
-                  <a14:hiddenLine xmlns="" xmlns:a14="http://schemas.microsoft.com/office/drawing/2010/main" w="9525">
+                  <a14:hiddenLine xmlns:a14="http://schemas.microsoft.com/office/drawing/2010/main" xmlns="" w="9525">
                     <a:solidFill>
                       <a:srgbClr val="000000"/>
                     </a:solidFill>
@@ -10259,7 +10260,7 @@
               </a:ln>
               <a:extLst>
                 <a:ext uri="{91240B29-F687-4f45-9708-019B960494DF}">
-                  <a14:hiddenLine xmlns="" xmlns:a14="http://schemas.microsoft.com/office/drawing/2010/main" w="9525">
+                  <a14:hiddenLine xmlns:a14="http://schemas.microsoft.com/office/drawing/2010/main" xmlns="" w="9525">
                     <a:solidFill>
                       <a:srgbClr val="000000"/>
                     </a:solidFill>
@@ -10293,7 +10294,7 @@
               </a:ln>
               <a:extLst>
                 <a:ext uri="{91240B29-F687-4f45-9708-019B960494DF}">
-                  <a14:hiddenLine xmlns="" xmlns:a14="http://schemas.microsoft.com/office/drawing/2010/main" w="9525">
+                  <a14:hiddenLine xmlns:a14="http://schemas.microsoft.com/office/drawing/2010/main" xmlns="" w="9525">
                     <a:solidFill>
                       <a:srgbClr val="000000"/>
                     </a:solidFill>
@@ -10358,7 +10359,7 @@
               </a:ln>
               <a:extLst>
                 <a:ext uri="{91240B29-F687-4f45-9708-019B960494DF}">
-                  <a14:hiddenLine xmlns="" xmlns:a14="http://schemas.microsoft.com/office/drawing/2010/main" w="9525">
+                  <a14:hiddenLine xmlns:a14="http://schemas.microsoft.com/office/drawing/2010/main" xmlns="" w="9525">
                     <a:solidFill>
                       <a:srgbClr val="000000"/>
                     </a:solidFill>
@@ -10448,7 +10449,7 @@
               </a:ln>
               <a:extLst>
                 <a:ext uri="{91240B29-F687-4f45-9708-019B960494DF}">
-                  <a14:hiddenLine xmlns="" xmlns:a14="http://schemas.microsoft.com/office/drawing/2010/main" w="9525">
+                  <a14:hiddenLine xmlns:a14="http://schemas.microsoft.com/office/drawing/2010/main" xmlns="" w="9525">
                     <a:solidFill>
                       <a:srgbClr val="000000"/>
                     </a:solidFill>
@@ -10510,7 +10511,7 @@
               </a:ln>
               <a:extLst>
                 <a:ext uri="{91240B29-F687-4f45-9708-019B960494DF}">
-                  <a14:hiddenLine xmlns="" xmlns:a14="http://schemas.microsoft.com/office/drawing/2010/main" w="9525">
+                  <a14:hiddenLine xmlns:a14="http://schemas.microsoft.com/office/drawing/2010/main" xmlns="" w="9525">
                     <a:solidFill>
                       <a:srgbClr val="000000"/>
                     </a:solidFill>
@@ -10600,7 +10601,7 @@
               </a:ln>
               <a:extLst>
                 <a:ext uri="{91240B29-F687-4f45-9708-019B960494DF}">
-                  <a14:hiddenLine xmlns="" xmlns:a14="http://schemas.microsoft.com/office/drawing/2010/main" w="9525">
+                  <a14:hiddenLine xmlns:a14="http://schemas.microsoft.com/office/drawing/2010/main" xmlns="" w="9525">
                     <a:solidFill>
                       <a:srgbClr val="000000"/>
                     </a:solidFill>
@@ -10665,7 +10666,7 @@
               </a:ln>
               <a:extLst>
                 <a:ext uri="{91240B29-F687-4f45-9708-019B960494DF}">
-                  <a14:hiddenLine xmlns="" xmlns:a14="http://schemas.microsoft.com/office/drawing/2010/main" w="9525">
+                  <a14:hiddenLine xmlns:a14="http://schemas.microsoft.com/office/drawing/2010/main" xmlns="" w="9525">
                     <a:solidFill>
                       <a:srgbClr val="000000"/>
                     </a:solidFill>
@@ -10727,7 +10728,7 @@
               </a:ln>
               <a:extLst>
                 <a:ext uri="{91240B29-F687-4f45-9708-019B960494DF}">
-                  <a14:hiddenLine xmlns="" xmlns:a14="http://schemas.microsoft.com/office/drawing/2010/main" w="9525">
+                  <a14:hiddenLine xmlns:a14="http://schemas.microsoft.com/office/drawing/2010/main" xmlns="" w="9525">
                     <a:solidFill>
                       <a:srgbClr val="000000"/>
                     </a:solidFill>
@@ -10817,7 +10818,7 @@
               </a:ln>
               <a:extLst>
                 <a:ext uri="{91240B29-F687-4f45-9708-019B960494DF}">
-                  <a14:hiddenLine xmlns="" xmlns:a14="http://schemas.microsoft.com/office/drawing/2010/main" w="9525">
+                  <a14:hiddenLine xmlns:a14="http://schemas.microsoft.com/office/drawing/2010/main" xmlns="" w="9525">
                     <a:solidFill>
                       <a:srgbClr val="000000"/>
                     </a:solidFill>
@@ -10907,7 +10908,7 @@
               </a:ln>
               <a:extLst>
                 <a:ext uri="{91240B29-F687-4f45-9708-019B960494DF}">
-                  <a14:hiddenLine xmlns="" xmlns:a14="http://schemas.microsoft.com/office/drawing/2010/main" w="9525">
+                  <a14:hiddenLine xmlns:a14="http://schemas.microsoft.com/office/drawing/2010/main" xmlns="" w="9525">
                     <a:solidFill>
                       <a:srgbClr val="000000"/>
                     </a:solidFill>
@@ -10972,7 +10973,7 @@
               </a:ln>
               <a:extLst>
                 <a:ext uri="{91240B29-F687-4f45-9708-019B960494DF}">
-                  <a14:hiddenLine xmlns="" xmlns:a14="http://schemas.microsoft.com/office/drawing/2010/main" w="9525">
+                  <a14:hiddenLine xmlns:a14="http://schemas.microsoft.com/office/drawing/2010/main" xmlns="" w="9525">
                     <a:solidFill>
                       <a:srgbClr val="000000"/>
                     </a:solidFill>
@@ -11092,7 +11093,7 @@
               </a:ln>
               <a:extLst>
                 <a:ext uri="{91240B29-F687-4f45-9708-019B960494DF}">
-                  <a14:hiddenLine xmlns="" xmlns:a14="http://schemas.microsoft.com/office/drawing/2010/main" w="9525">
+                  <a14:hiddenLine xmlns:a14="http://schemas.microsoft.com/office/drawing/2010/main" xmlns="" w="9525">
                     <a:solidFill>
                       <a:srgbClr val="000000"/>
                     </a:solidFill>
@@ -11190,7 +11191,7 @@
               </a:ln>
               <a:extLst>
                 <a:ext uri="{91240B29-F687-4f45-9708-019B960494DF}">
-                  <a14:hiddenLine xmlns="" xmlns:a14="http://schemas.microsoft.com/office/drawing/2010/main" w="9525">
+                  <a14:hiddenLine xmlns:a14="http://schemas.microsoft.com/office/drawing/2010/main" xmlns="" w="9525">
                     <a:solidFill>
                       <a:srgbClr val="000000"/>
                     </a:solidFill>
@@ -11305,7 +11306,7 @@
               </a:ln>
               <a:extLst>
                 <a:ext uri="{91240B29-F687-4f45-9708-019B960494DF}">
-                  <a14:hiddenLine xmlns="" xmlns:a14="http://schemas.microsoft.com/office/drawing/2010/main" w="9525">
+                  <a14:hiddenLine xmlns:a14="http://schemas.microsoft.com/office/drawing/2010/main" xmlns="" w="9525">
                     <a:solidFill>
                       <a:srgbClr val="000000"/>
                     </a:solidFill>
@@ -11395,7 +11396,7 @@
               </a:ln>
               <a:extLst>
                 <a:ext uri="{91240B29-F687-4f45-9708-019B960494DF}">
-                  <a14:hiddenLine xmlns="" xmlns:a14="http://schemas.microsoft.com/office/drawing/2010/main" w="9525">
+                  <a14:hiddenLine xmlns:a14="http://schemas.microsoft.com/office/drawing/2010/main" xmlns="" w="9525">
                     <a:solidFill>
                       <a:srgbClr val="000000"/>
                     </a:solidFill>
@@ -11460,7 +11461,7 @@
               </a:ln>
               <a:extLst>
                 <a:ext uri="{91240B29-F687-4f45-9708-019B960494DF}">
-                  <a14:hiddenLine xmlns="" xmlns:a14="http://schemas.microsoft.com/office/drawing/2010/main" w="9525">
+                  <a14:hiddenLine xmlns:a14="http://schemas.microsoft.com/office/drawing/2010/main" xmlns="" w="9525">
                     <a:solidFill>
                       <a:srgbClr val="000000"/>
                     </a:solidFill>
@@ -11550,7 +11551,7 @@
               </a:ln>
               <a:extLst>
                 <a:ext uri="{91240B29-F687-4f45-9708-019B960494DF}">
-                  <a14:hiddenLine xmlns="" xmlns:a14="http://schemas.microsoft.com/office/drawing/2010/main" w="9525">
+                  <a14:hiddenLine xmlns:a14="http://schemas.microsoft.com/office/drawing/2010/main" xmlns="" w="9525">
                     <a:solidFill>
                       <a:srgbClr val="000000"/>
                     </a:solidFill>
@@ -11618,7 +11619,7 @@
               </a:ln>
               <a:extLst>
                 <a:ext uri="{91240B29-F687-4f45-9708-019B960494DF}">
-                  <a14:hiddenLine xmlns="" xmlns:a14="http://schemas.microsoft.com/office/drawing/2010/main" w="9525">
+                  <a14:hiddenLine xmlns:a14="http://schemas.microsoft.com/office/drawing/2010/main" xmlns="" w="9525">
                     <a:solidFill>
                       <a:srgbClr val="000000"/>
                     </a:solidFill>
@@ -11708,7 +11709,7 @@
               </a:ln>
               <a:extLst>
                 <a:ext uri="{91240B29-F687-4f45-9708-019B960494DF}">
-                  <a14:hiddenLine xmlns="" xmlns:a14="http://schemas.microsoft.com/office/drawing/2010/main" w="9525">
+                  <a14:hiddenLine xmlns:a14="http://schemas.microsoft.com/office/drawing/2010/main" xmlns="" w="9525">
                     <a:solidFill>
                       <a:srgbClr val="000000"/>
                     </a:solidFill>
@@ -11776,7 +11777,7 @@
               </a:ln>
               <a:extLst>
                 <a:ext uri="{91240B29-F687-4f45-9708-019B960494DF}">
-                  <a14:hiddenLine xmlns="" xmlns:a14="http://schemas.microsoft.com/office/drawing/2010/main" w="9525">
+                  <a14:hiddenLine xmlns:a14="http://schemas.microsoft.com/office/drawing/2010/main" xmlns="" w="9525">
                     <a:solidFill>
                       <a:srgbClr val="000000"/>
                     </a:solidFill>
@@ -11866,7 +11867,7 @@
               </a:ln>
               <a:extLst>
                 <a:ext uri="{91240B29-F687-4f45-9708-019B960494DF}">
-                  <a14:hiddenLine xmlns="" xmlns:a14="http://schemas.microsoft.com/office/drawing/2010/main" w="9525">
+                  <a14:hiddenLine xmlns:a14="http://schemas.microsoft.com/office/drawing/2010/main" xmlns="" w="9525">
                     <a:solidFill>
                       <a:srgbClr val="000000"/>
                     </a:solidFill>
@@ -11900,7 +11901,7 @@
               </a:ln>
               <a:extLst>
                 <a:ext uri="{91240B29-F687-4f45-9708-019B960494DF}">
-                  <a14:hiddenLine xmlns="" xmlns:a14="http://schemas.microsoft.com/office/drawing/2010/main" w="9525">
+                  <a14:hiddenLine xmlns:a14="http://schemas.microsoft.com/office/drawing/2010/main" xmlns="" w="9525">
                     <a:solidFill>
                       <a:srgbClr val="000000"/>
                     </a:solidFill>
@@ -12040,7 +12041,7 @@
           <a:p>
             <a:fld id="{EAA2FCAC-B0FC-4561-97A2-3A4896B6BEB0}" type="datetimeFigureOut">
               <a:rPr lang="en-US" smtClean="0"/>
-              <a:t>2/4/2019</a:t>
+              <a:t>4/10/2019</a:t>
             </a:fld>
             <a:endParaRPr lang="en-US"/>
           </a:p>
@@ -12897,13 +12898,49 @@
           </a:p>
           <a:p>
             <a:pPr marL="0" indent="0">
-              <a:buFont typeface="Arial" panose="020B0604020202020204" pitchFamily="34" charset="0"/>
               <a:buNone/>
             </a:pPr>
             <a:endParaRPr lang="en-US" b="1" dirty="0"/>
           </a:p>
+          <a:p>
+            <a:pPr marL="0" indent="0">
+              <a:buFont typeface="Arial" panose="020B0604020202020204" pitchFamily="34" charset="0"/>
+              <a:buNone/>
+            </a:pPr>
+            <a:endParaRPr lang="en-US" b="1" dirty="0"/>
+          </a:p>
         </p:txBody>
       </p:sp>
+      <p:pic>
+        <p:nvPicPr>
+          <p:cNvPr id="3" name="Picture 2">
+            <a:extLst>
+              <a:ext uri="{FF2B5EF4-FFF2-40B4-BE49-F238E27FC236}">
+                <a16:creationId xmlns:a16="http://schemas.microsoft.com/office/drawing/2014/main" id="{68E22618-358B-45E8-8BA2-FD6C8F128A87}"/>
+              </a:ext>
+            </a:extLst>
+          </p:cNvPr>
+          <p:cNvPicPr>
+            <a:picLocks noChangeAspect="1"/>
+          </p:cNvPicPr>
+          <p:nvPr/>
+        </p:nvPicPr>
+        <p:blipFill>
+          <a:blip r:embed="rId3"/>
+          <a:stretch>
+            <a:fillRect/>
+          </a:stretch>
+        </p:blipFill>
+        <p:spPr>
+          <a:xfrm>
+            <a:off x="1141411" y="3467390"/>
+            <a:ext cx="9906001" cy="1049924"/>
+          </a:xfrm>
+          <a:prstGeom prst="rect">
+            <a:avLst/>
+          </a:prstGeom>
+        </p:spPr>
+      </p:pic>
     </p:spTree>
     <p:extLst>
       <p:ext uri="{BB962C8B-B14F-4D97-AF65-F5344CB8AC3E}">
@@ -12918,6 +12955,143 @@
 </file>
 
 <file path=ppt/slides/slide11.xml><?xml version="1.0" encoding="utf-8"?>
+<p:sld xmlns:a="http://schemas.openxmlformats.org/drawingml/2006/main" xmlns:r="http://schemas.openxmlformats.org/officeDocument/2006/relationships" xmlns:p="http://schemas.openxmlformats.org/presentationml/2006/main">
+  <p:cSld>
+    <p:spTree>
+      <p:nvGrpSpPr>
+        <p:cNvPr id="1" name=""/>
+        <p:cNvGrpSpPr/>
+        <p:nvPr/>
+      </p:nvGrpSpPr>
+      <p:grpSpPr>
+        <a:xfrm>
+          <a:off x="0" y="0"/>
+          <a:ext cx="0" cy="0"/>
+          <a:chOff x="0" y="0"/>
+          <a:chExt cx="0" cy="0"/>
+        </a:xfrm>
+      </p:grpSpPr>
+      <p:sp>
+        <p:nvSpPr>
+          <p:cNvPr id="2" name="Title 1">
+            <a:extLst>
+              <a:ext uri="{FF2B5EF4-FFF2-40B4-BE49-F238E27FC236}">
+                <a16:creationId xmlns:a16="http://schemas.microsoft.com/office/drawing/2014/main" id="{E3B1E1FD-7C52-4790-A860-22559453D2AD}"/>
+              </a:ext>
+            </a:extLst>
+          </p:cNvPr>
+          <p:cNvSpPr>
+            <a:spLocks noGrp="1"/>
+          </p:cNvSpPr>
+          <p:nvPr>
+            <p:ph type="title"/>
+          </p:nvPr>
+        </p:nvSpPr>
+        <p:spPr/>
+        <p:txBody>
+          <a:bodyPr/>
+          <a:lstStyle/>
+          <a:p>
+            <a:r>
+              <a:rPr lang="en-US" dirty="0"/>
+              <a:t>Conclusion</a:t>
+            </a:r>
+          </a:p>
+        </p:txBody>
+      </p:sp>
+      <p:sp>
+        <p:nvSpPr>
+          <p:cNvPr id="3" name="Content Placeholder 2">
+            <a:extLst>
+              <a:ext uri="{FF2B5EF4-FFF2-40B4-BE49-F238E27FC236}">
+                <a16:creationId xmlns:a16="http://schemas.microsoft.com/office/drawing/2014/main" id="{AA8CC527-2498-4169-B244-E2CA07E1A144}"/>
+              </a:ext>
+            </a:extLst>
+          </p:cNvPr>
+          <p:cNvSpPr>
+            <a:spLocks noGrp="1"/>
+          </p:cNvSpPr>
+          <p:nvPr>
+            <p:ph idx="1"/>
+          </p:nvPr>
+        </p:nvSpPr>
+        <p:spPr>
+          <a:xfrm>
+            <a:off x="969134" y="839144"/>
+            <a:ext cx="9905999" cy="3541714"/>
+          </a:xfrm>
+        </p:spPr>
+        <p:txBody>
+          <a:bodyPr/>
+          <a:lstStyle/>
+          <a:p>
+            <a:endParaRPr lang="en-US" b="1" dirty="0">
+              <a:effectLst/>
+            </a:endParaRPr>
+          </a:p>
+          <a:p>
+            <a:r>
+              <a:rPr lang="en-US" b="1" dirty="0">
+                <a:effectLst/>
+              </a:rPr>
+              <a:t>Like this for every neighborhood we can retrieve the rating value from json and calculate the final Score.</a:t>
+            </a:r>
+          </a:p>
+          <a:p>
+            <a:r>
+              <a:rPr lang="en-US" b="1" dirty="0">
+                <a:effectLst/>
+              </a:rPr>
+              <a:t> </a:t>
+            </a:r>
+            <a:endParaRPr lang="en-US" dirty="0"/>
+          </a:p>
+        </p:txBody>
+      </p:sp>
+      <p:pic>
+        <p:nvPicPr>
+          <p:cNvPr id="4" name="Picture 3">
+            <a:extLst>
+              <a:ext uri="{FF2B5EF4-FFF2-40B4-BE49-F238E27FC236}">
+                <a16:creationId xmlns:a16="http://schemas.microsoft.com/office/drawing/2014/main" id="{00DD2F49-C7B4-497E-84F2-3A9E40764E83}"/>
+              </a:ext>
+            </a:extLst>
+          </p:cNvPr>
+          <p:cNvPicPr>
+            <a:picLocks noChangeAspect="1"/>
+          </p:cNvPicPr>
+          <p:nvPr/>
+        </p:nvPicPr>
+        <p:blipFill>
+          <a:blip r:embed="rId2"/>
+          <a:stretch>
+            <a:fillRect/>
+          </a:stretch>
+        </p:blipFill>
+        <p:spPr>
+          <a:xfrm>
+            <a:off x="1666874" y="2610001"/>
+            <a:ext cx="7622899" cy="3898595"/>
+          </a:xfrm>
+          <a:prstGeom prst="rect">
+            <a:avLst/>
+          </a:prstGeom>
+        </p:spPr>
+      </p:pic>
+    </p:spTree>
+    <p:extLst>
+      <p:ext uri="{BB962C8B-B14F-4D97-AF65-F5344CB8AC3E}">
+        <p14:creationId xmlns:p14="http://schemas.microsoft.com/office/powerpoint/2010/main" val="2999576359"/>
+      </p:ext>
+    </p:extLst>
+  </p:cSld>
+  <p:clrMapOvr>
+    <a:masterClrMapping/>
+  </p:clrMapOvr>
+</p:sld>
+</file>
+
+<file path=ppt/slides/slide12.xml><?xml version="1.0" encoding="utf-8"?>
 <p:sld xmlns:a="http://schemas.openxmlformats.org/drawingml/2006/main" xmlns:r="http://schemas.openxmlformats.org/officeDocument/2006/relationships" xmlns:p="http://schemas.openxmlformats.org/presentationml/2006/main">
   <p:cSld>
     <p:spTree>
@@ -13090,7 +13264,7 @@
           <a:p>
             <a:r>
               <a:rPr lang="en-US" sz="3200" b="1" dirty="0"/>
-              <a:t>A Recommender System for boutique shop</a:t>
+              <a:t>A venue Recommender System for shops</a:t>
             </a:r>
             <a:endParaRPr lang="en-US" sz="3200" dirty="0"/>
           </a:p>
@@ -13641,15 +13815,7 @@
           <a:p>
             <a:r>
               <a:rPr lang="en-US" b="1" dirty="0"/>
-              <a:t>Part 1: Identifying </a:t>
-            </a:r>
-            <a:r>
-              <a:rPr lang="en-US" b="1" dirty="0" err="1"/>
-              <a:t>Neighbourhoods</a:t>
-            </a:r>
-            <a:r>
-              <a:rPr lang="en-US" b="1" dirty="0"/>
-              <a:t> in Houston"</a:t>
+              <a:t>Part 1: Identifying Neighborhoods in Houston"</a:t>
             </a:r>
           </a:p>
           <a:p>
